--- a/doc/microhttpd + HTML basic server.pptx
+++ b/doc/microhttpd + HTML basic server.pptx
@@ -28,8 +28,9 @@
     <p:sldId id="275" r:id="rId22"/>
     <p:sldId id="277" r:id="rId23"/>
     <p:sldId id="276" r:id="rId24"/>
-    <p:sldId id="278" r:id="rId25"/>
-    <p:sldId id="279" r:id="rId26"/>
+    <p:sldId id="281" r:id="rId25"/>
+    <p:sldId id="278" r:id="rId26"/>
+    <p:sldId id="279" r:id="rId27"/>
   </p:sldIdLst>
   <p:sldSz cx="12192000" cy="6858000"/>
   <p:notesSz cx="6858000" cy="9144000"/>
@@ -128,6 +129,11 @@
       </a:defRPr>
     </a:lvl9pPr>
   </p:defaultTextStyle>
+  <p:extLst>
+    <p:ext uri="{EFAFB233-063F-42B5-8137-9DF3F51BA10A}">
+      <p15:sldGuideLst xmlns:p15="http://schemas.microsoft.com/office/powerpoint/2012/main"/>
+    </p:ext>
+  </p:extLst>
 </p:presentation>
 </file>
 
@@ -15707,6 +15713,868 @@
           <p:cNvPr id="2" name="Title 1">
             <a:extLst>
               <a:ext uri="{FF2B5EF4-FFF2-40B4-BE49-F238E27FC236}">
+                <a16:creationId xmlns:a16="http://schemas.microsoft.com/office/drawing/2014/main" id="{2D788378-D211-42C9-8714-6FEBEF49A218}"/>
+              </a:ext>
+            </a:extLst>
+          </p:cNvPr>
+          <p:cNvSpPr>
+            <a:spLocks noGrp="1"/>
+          </p:cNvSpPr>
+          <p:nvPr>
+            <p:ph type="title"/>
+          </p:nvPr>
+        </p:nvSpPr>
+        <p:spPr>
+          <a:xfrm>
+            <a:off x="838200" y="365125"/>
+            <a:ext cx="10515600" cy="981075"/>
+          </a:xfrm>
+        </p:spPr>
+        <p:txBody>
+          <a:bodyPr/>
+          <a:lstStyle/>
+          <a:p>
+            <a:r>
+              <a:rPr lang="en-US" dirty="0"/>
+              <a:t>Code working(database example)</a:t>
+            </a:r>
+          </a:p>
+        </p:txBody>
+      </p:sp>
+      <p:grpSp>
+        <p:nvGrpSpPr>
+          <p:cNvPr id="25" name="Group 24">
+            <a:extLst>
+              <a:ext uri="{FF2B5EF4-FFF2-40B4-BE49-F238E27FC236}">
+                <a16:creationId xmlns:a16="http://schemas.microsoft.com/office/drawing/2014/main" id="{A5BD553D-7CA5-4A4C-9E73-1F3ED60651A1}"/>
+              </a:ext>
+            </a:extLst>
+          </p:cNvPr>
+          <p:cNvGrpSpPr/>
+          <p:nvPr/>
+        </p:nvGrpSpPr>
+        <p:grpSpPr>
+          <a:xfrm>
+            <a:off x="756221" y="1257301"/>
+            <a:ext cx="9836721" cy="5070474"/>
+            <a:chOff x="756221" y="1257301"/>
+            <a:chExt cx="9836721" cy="5070474"/>
+          </a:xfrm>
+        </p:grpSpPr>
+        <p:grpSp>
+          <p:nvGrpSpPr>
+            <p:cNvPr id="18" name="Group 17">
+              <a:extLst>
+                <a:ext uri="{FF2B5EF4-FFF2-40B4-BE49-F238E27FC236}">
+                  <a16:creationId xmlns:a16="http://schemas.microsoft.com/office/drawing/2014/main" id="{5C8C67F5-3969-4AD8-BC67-6C6D46CCDF00}"/>
+                </a:ext>
+              </a:extLst>
+            </p:cNvPr>
+            <p:cNvGrpSpPr/>
+            <p:nvPr/>
+          </p:nvGrpSpPr>
+          <p:grpSpPr>
+            <a:xfrm>
+              <a:off x="1366392" y="1346200"/>
+              <a:ext cx="9226550" cy="4981575"/>
+              <a:chOff x="1066800" y="1511300"/>
+              <a:chExt cx="9226550" cy="4981575"/>
+            </a:xfrm>
+          </p:grpSpPr>
+          <p:sp>
+            <p:nvSpPr>
+              <p:cNvPr id="4" name="Rectangle: Rounded Corners 3">
+                <a:extLst>
+                  <a:ext uri="{FF2B5EF4-FFF2-40B4-BE49-F238E27FC236}">
+                    <a16:creationId xmlns:a16="http://schemas.microsoft.com/office/drawing/2014/main" id="{648C8047-84E2-4ED0-B8E0-EC272ECF84B6}"/>
+                  </a:ext>
+                </a:extLst>
+              </p:cNvPr>
+              <p:cNvSpPr/>
+              <p:nvPr/>
+            </p:nvSpPr>
+            <p:spPr>
+              <a:xfrm>
+                <a:off x="1066800" y="1511300"/>
+                <a:ext cx="2641600" cy="2565400"/>
+              </a:xfrm>
+              <a:prstGeom prst="roundRect">
+                <a:avLst/>
+              </a:prstGeom>
+            </p:spPr>
+            <p:style>
+              <a:lnRef idx="2">
+                <a:schemeClr val="accent4">
+                  <a:shade val="50000"/>
+                </a:schemeClr>
+              </a:lnRef>
+              <a:fillRef idx="1">
+                <a:schemeClr val="accent4"/>
+              </a:fillRef>
+              <a:effectRef idx="0">
+                <a:schemeClr val="accent4"/>
+              </a:effectRef>
+              <a:fontRef idx="minor">
+                <a:schemeClr val="lt1"/>
+              </a:fontRef>
+            </p:style>
+            <p:txBody>
+              <a:bodyPr rtlCol="0" anchor="ctr"/>
+              <a:lstStyle/>
+              <a:p>
+                <a:pPr algn="ctr"/>
+                <a:r>
+                  <a:rPr lang="en-US" b="1" dirty="0"/>
+                  <a:t>Database</a:t>
+                </a:r>
+              </a:p>
+              <a:p>
+                <a:pPr algn="ctr"/>
+                <a:r>
+                  <a:rPr lang="en-US" dirty="0"/>
+                  <a:t>(</a:t>
+                </a:r>
+                <a:r>
+                  <a:rPr lang="en-US" dirty="0" err="1">
+                    <a:solidFill>
+                      <a:schemeClr val="accent1"/>
+                    </a:solidFill>
+                  </a:rPr>
+                  <a:t>add_employee</a:t>
+                </a:r>
+                <a:r>
+                  <a:rPr lang="en-US" dirty="0"/>
+                  <a:t>,</a:t>
+                </a:r>
+              </a:p>
+              <a:p>
+                <a:pPr algn="ctr"/>
+                <a:r>
+                  <a:rPr lang="en-US" dirty="0" err="1">
+                    <a:solidFill>
+                      <a:schemeClr val="accent1"/>
+                    </a:solidFill>
+                  </a:rPr>
+                  <a:t>Delete_employee</a:t>
+                </a:r>
+                <a:r>
+                  <a:rPr lang="en-US" dirty="0"/>
+                  <a:t>,</a:t>
+                </a:r>
+              </a:p>
+              <a:p>
+                <a:pPr algn="ctr"/>
+                <a:r>
+                  <a:rPr lang="en-US" dirty="0" err="1">
+                    <a:solidFill>
+                      <a:schemeClr val="accent1"/>
+                    </a:solidFill>
+                  </a:rPr>
+                  <a:t>Read_database</a:t>
+                </a:r>
+                <a:r>
+                  <a:rPr lang="en-US" dirty="0"/>
+                  <a:t>,</a:t>
+                </a:r>
+              </a:p>
+              <a:p>
+                <a:pPr algn="ctr"/>
+                <a:r>
+                  <a:rPr lang="en-US" dirty="0" err="1">
+                    <a:solidFill>
+                      <a:schemeClr val="accent1"/>
+                    </a:solidFill>
+                  </a:rPr>
+                  <a:t>Save_database</a:t>
+                </a:r>
+                <a:r>
+                  <a:rPr lang="en-US" dirty="0"/>
+                  <a:t>)</a:t>
+                </a:r>
+              </a:p>
+            </p:txBody>
+          </p:sp>
+          <p:sp>
+            <p:nvSpPr>
+              <p:cNvPr id="5" name="Rectangle: Rounded Corners 4">
+                <a:extLst>
+                  <a:ext uri="{FF2B5EF4-FFF2-40B4-BE49-F238E27FC236}">
+                    <a16:creationId xmlns:a16="http://schemas.microsoft.com/office/drawing/2014/main" id="{E59FEE54-D77C-430F-A1EE-F115A3F54B24}"/>
+                  </a:ext>
+                </a:extLst>
+              </p:cNvPr>
+              <p:cNvSpPr/>
+              <p:nvPr/>
+            </p:nvSpPr>
+            <p:spPr>
+              <a:xfrm>
+                <a:off x="1117600" y="5019675"/>
+                <a:ext cx="2381250" cy="1473200"/>
+              </a:xfrm>
+              <a:prstGeom prst="roundRect">
+                <a:avLst/>
+              </a:prstGeom>
+            </p:spPr>
+            <p:style>
+              <a:lnRef idx="2">
+                <a:schemeClr val="accent1">
+                  <a:shade val="50000"/>
+                </a:schemeClr>
+              </a:lnRef>
+              <a:fillRef idx="1">
+                <a:schemeClr val="accent1"/>
+              </a:fillRef>
+              <a:effectRef idx="0">
+                <a:schemeClr val="accent1"/>
+              </a:effectRef>
+              <a:fontRef idx="minor">
+                <a:schemeClr val="lt1"/>
+              </a:fontRef>
+            </p:style>
+            <p:txBody>
+              <a:bodyPr rtlCol="0" anchor="ctr"/>
+              <a:lstStyle/>
+              <a:p>
+                <a:pPr algn="ctr"/>
+                <a:r>
+                  <a:rPr lang="en-US" dirty="0"/>
+                  <a:t>Employee.dat</a:t>
+                </a:r>
+              </a:p>
+              <a:p>
+                <a:pPr algn="ctr"/>
+                <a:r>
+                  <a:rPr lang="en-US" dirty="0"/>
+                  <a:t>(binary </a:t>
+                </a:r>
+                <a:r>
+                  <a:rPr lang="en-US" dirty="0" err="1"/>
+                  <a:t>databse</a:t>
+                </a:r>
+                <a:r>
+                  <a:rPr lang="en-US" dirty="0"/>
+                  <a:t> file)</a:t>
+                </a:r>
+              </a:p>
+            </p:txBody>
+          </p:sp>
+          <p:sp>
+            <p:nvSpPr>
+              <p:cNvPr id="6" name="Rectangle: Rounded Corners 5">
+                <a:extLst>
+                  <a:ext uri="{FF2B5EF4-FFF2-40B4-BE49-F238E27FC236}">
+                    <a16:creationId xmlns:a16="http://schemas.microsoft.com/office/drawing/2014/main" id="{E5846157-4F8D-4835-8DC0-46B9FF61516E}"/>
+                  </a:ext>
+                </a:extLst>
+              </p:cNvPr>
+              <p:cNvSpPr/>
+              <p:nvPr/>
+            </p:nvSpPr>
+            <p:spPr>
+              <a:xfrm>
+                <a:off x="5734050" y="1612900"/>
+                <a:ext cx="4559300" cy="1701800"/>
+              </a:xfrm>
+              <a:prstGeom prst="roundRect">
+                <a:avLst/>
+              </a:prstGeom>
+            </p:spPr>
+            <p:style>
+              <a:lnRef idx="2">
+                <a:schemeClr val="accent5">
+                  <a:shade val="50000"/>
+                </a:schemeClr>
+              </a:lnRef>
+              <a:fillRef idx="1">
+                <a:schemeClr val="accent5"/>
+              </a:fillRef>
+              <a:effectRef idx="0">
+                <a:schemeClr val="accent5"/>
+              </a:effectRef>
+              <a:fontRef idx="minor">
+                <a:schemeClr val="lt1"/>
+              </a:fontRef>
+            </p:style>
+            <p:txBody>
+              <a:bodyPr rtlCol="0" anchor="ctr"/>
+              <a:lstStyle/>
+              <a:p>
+                <a:pPr algn="ctr"/>
+                <a:r>
+                  <a:rPr lang="en-US" dirty="0"/>
+                  <a:t>MICROHTTPD_SERVER</a:t>
+                </a:r>
+              </a:p>
+            </p:txBody>
+          </p:sp>
+          <p:sp>
+            <p:nvSpPr>
+              <p:cNvPr id="8" name="Rectangle: Rounded Corners 7">
+                <a:extLst>
+                  <a:ext uri="{FF2B5EF4-FFF2-40B4-BE49-F238E27FC236}">
+                    <a16:creationId xmlns:a16="http://schemas.microsoft.com/office/drawing/2014/main" id="{455DCD84-B55A-483E-8D61-247AB72C454C}"/>
+                  </a:ext>
+                </a:extLst>
+              </p:cNvPr>
+              <p:cNvSpPr/>
+              <p:nvPr/>
+            </p:nvSpPr>
+            <p:spPr>
+              <a:xfrm>
+                <a:off x="6750050" y="4394200"/>
+                <a:ext cx="2711452" cy="1701800"/>
+              </a:xfrm>
+              <a:prstGeom prst="roundRect">
+                <a:avLst/>
+              </a:prstGeom>
+            </p:spPr>
+            <p:style>
+              <a:lnRef idx="1">
+                <a:schemeClr val="accent4"/>
+              </a:lnRef>
+              <a:fillRef idx="2">
+                <a:schemeClr val="accent4"/>
+              </a:fillRef>
+              <a:effectRef idx="1">
+                <a:schemeClr val="accent4"/>
+              </a:effectRef>
+              <a:fontRef idx="minor">
+                <a:schemeClr val="dk1"/>
+              </a:fontRef>
+            </p:style>
+            <p:txBody>
+              <a:bodyPr rtlCol="0" anchor="ctr"/>
+              <a:lstStyle/>
+              <a:p>
+                <a:pPr algn="ctr"/>
+                <a:r>
+                  <a:rPr lang="en-US" dirty="0"/>
+                  <a:t>Client</a:t>
+                </a:r>
+              </a:p>
+            </p:txBody>
+          </p:sp>
+          <p:sp>
+            <p:nvSpPr>
+              <p:cNvPr id="9" name="Arrow: Down 8">
+                <a:extLst>
+                  <a:ext uri="{FF2B5EF4-FFF2-40B4-BE49-F238E27FC236}">
+                    <a16:creationId xmlns:a16="http://schemas.microsoft.com/office/drawing/2014/main" id="{0C7B2951-C112-423E-A758-F302A3C5ABE2}"/>
+                  </a:ext>
+                </a:extLst>
+              </p:cNvPr>
+              <p:cNvSpPr/>
+              <p:nvPr/>
+            </p:nvSpPr>
+            <p:spPr>
+              <a:xfrm>
+                <a:off x="7219950" y="3314700"/>
+                <a:ext cx="495300" cy="1079500"/>
+              </a:xfrm>
+              <a:prstGeom prst="downArrow">
+                <a:avLst/>
+              </a:prstGeom>
+            </p:spPr>
+            <p:style>
+              <a:lnRef idx="3">
+                <a:schemeClr val="lt1"/>
+              </a:lnRef>
+              <a:fillRef idx="1">
+                <a:schemeClr val="accent3"/>
+              </a:fillRef>
+              <a:effectRef idx="1">
+                <a:schemeClr val="accent3"/>
+              </a:effectRef>
+              <a:fontRef idx="minor">
+                <a:schemeClr val="lt1"/>
+              </a:fontRef>
+            </p:style>
+            <p:txBody>
+              <a:bodyPr rtlCol="0" anchor="ctr"/>
+              <a:lstStyle/>
+              <a:p>
+                <a:pPr algn="ctr"/>
+                <a:endParaRPr lang="en-US"/>
+              </a:p>
+            </p:txBody>
+          </p:sp>
+          <p:sp>
+            <p:nvSpPr>
+              <p:cNvPr id="10" name="Arrow: Down 9">
+                <a:extLst>
+                  <a:ext uri="{FF2B5EF4-FFF2-40B4-BE49-F238E27FC236}">
+                    <a16:creationId xmlns:a16="http://schemas.microsoft.com/office/drawing/2014/main" id="{7B368C61-C6C4-41BC-B13D-75178B385DF9}"/>
+                  </a:ext>
+                </a:extLst>
+              </p:cNvPr>
+              <p:cNvSpPr/>
+              <p:nvPr/>
+            </p:nvSpPr>
+            <p:spPr>
+              <a:xfrm rot="10800000">
+                <a:off x="8185150" y="3314700"/>
+                <a:ext cx="387350" cy="1028700"/>
+              </a:xfrm>
+              <a:prstGeom prst="downArrow">
+                <a:avLst/>
+              </a:prstGeom>
+            </p:spPr>
+            <p:style>
+              <a:lnRef idx="2">
+                <a:schemeClr val="accent6">
+                  <a:shade val="50000"/>
+                </a:schemeClr>
+              </a:lnRef>
+              <a:fillRef idx="1">
+                <a:schemeClr val="accent6"/>
+              </a:fillRef>
+              <a:effectRef idx="0">
+                <a:schemeClr val="accent6"/>
+              </a:effectRef>
+              <a:fontRef idx="minor">
+                <a:schemeClr val="lt1"/>
+              </a:fontRef>
+            </p:style>
+            <p:txBody>
+              <a:bodyPr rtlCol="0" anchor="ctr"/>
+              <a:lstStyle/>
+              <a:p>
+                <a:pPr algn="ctr"/>
+                <a:endParaRPr lang="en-US"/>
+              </a:p>
+            </p:txBody>
+          </p:sp>
+          <p:sp>
+            <p:nvSpPr>
+              <p:cNvPr id="11" name="Arrow: Down 10">
+                <a:extLst>
+                  <a:ext uri="{FF2B5EF4-FFF2-40B4-BE49-F238E27FC236}">
+                    <a16:creationId xmlns:a16="http://schemas.microsoft.com/office/drawing/2014/main" id="{F5A35F86-2258-45A1-B1D0-6624CBCDED55}"/>
+                  </a:ext>
+                </a:extLst>
+              </p:cNvPr>
+              <p:cNvSpPr/>
+              <p:nvPr/>
+            </p:nvSpPr>
+            <p:spPr>
+              <a:xfrm rot="5400000">
+                <a:off x="4409121" y="1193800"/>
+                <a:ext cx="546100" cy="1993900"/>
+              </a:xfrm>
+              <a:prstGeom prst="downArrow">
+                <a:avLst/>
+              </a:prstGeom>
+            </p:spPr>
+            <p:style>
+              <a:lnRef idx="2">
+                <a:schemeClr val="accent6">
+                  <a:shade val="50000"/>
+                </a:schemeClr>
+              </a:lnRef>
+              <a:fillRef idx="1">
+                <a:schemeClr val="accent6"/>
+              </a:fillRef>
+              <a:effectRef idx="0">
+                <a:schemeClr val="accent6"/>
+              </a:effectRef>
+              <a:fontRef idx="minor">
+                <a:schemeClr val="lt1"/>
+              </a:fontRef>
+            </p:style>
+            <p:txBody>
+              <a:bodyPr rtlCol="0" anchor="ctr"/>
+              <a:lstStyle/>
+              <a:p>
+                <a:pPr algn="ctr"/>
+                <a:endParaRPr lang="en-US" dirty="0"/>
+              </a:p>
+            </p:txBody>
+          </p:sp>
+          <p:sp>
+            <p:nvSpPr>
+              <p:cNvPr id="12" name="Arrow: Down 11">
+                <a:extLst>
+                  <a:ext uri="{FF2B5EF4-FFF2-40B4-BE49-F238E27FC236}">
+                    <a16:creationId xmlns:a16="http://schemas.microsoft.com/office/drawing/2014/main" id="{33381841-7CCA-4B1B-8000-CD31B5201A78}"/>
+                  </a:ext>
+                </a:extLst>
+              </p:cNvPr>
+              <p:cNvSpPr/>
+              <p:nvPr/>
+            </p:nvSpPr>
+            <p:spPr>
+              <a:xfrm>
+                <a:off x="1746250" y="4071937"/>
+                <a:ext cx="412750" cy="947738"/>
+              </a:xfrm>
+              <a:prstGeom prst="downArrow">
+                <a:avLst/>
+              </a:prstGeom>
+            </p:spPr>
+            <p:style>
+              <a:lnRef idx="2">
+                <a:schemeClr val="accent6">
+                  <a:shade val="50000"/>
+                </a:schemeClr>
+              </a:lnRef>
+              <a:fillRef idx="1">
+                <a:schemeClr val="accent6"/>
+              </a:fillRef>
+              <a:effectRef idx="0">
+                <a:schemeClr val="accent6"/>
+              </a:effectRef>
+              <a:fontRef idx="minor">
+                <a:schemeClr val="lt1"/>
+              </a:fontRef>
+            </p:style>
+            <p:txBody>
+              <a:bodyPr rtlCol="0" anchor="ctr"/>
+              <a:lstStyle/>
+              <a:p>
+                <a:pPr algn="ctr"/>
+                <a:endParaRPr lang="en-US"/>
+              </a:p>
+            </p:txBody>
+          </p:sp>
+          <p:sp>
+            <p:nvSpPr>
+              <p:cNvPr id="14" name="Arrow: Down 13">
+                <a:extLst>
+                  <a:ext uri="{FF2B5EF4-FFF2-40B4-BE49-F238E27FC236}">
+                    <a16:creationId xmlns:a16="http://schemas.microsoft.com/office/drawing/2014/main" id="{B67297DC-AA82-42FB-8093-72882D2B102A}"/>
+                  </a:ext>
+                </a:extLst>
+              </p:cNvPr>
+              <p:cNvSpPr/>
+              <p:nvPr/>
+            </p:nvSpPr>
+            <p:spPr>
+              <a:xfrm rot="10800000">
+                <a:off x="2527299" y="4071937"/>
+                <a:ext cx="412750" cy="947738"/>
+              </a:xfrm>
+              <a:prstGeom prst="downArrow">
+                <a:avLst/>
+              </a:prstGeom>
+            </p:spPr>
+            <p:style>
+              <a:lnRef idx="2">
+                <a:schemeClr val="accent3">
+                  <a:shade val="50000"/>
+                </a:schemeClr>
+              </a:lnRef>
+              <a:fillRef idx="1">
+                <a:schemeClr val="accent3"/>
+              </a:fillRef>
+              <a:effectRef idx="0">
+                <a:schemeClr val="accent3"/>
+              </a:effectRef>
+              <a:fontRef idx="minor">
+                <a:schemeClr val="lt1"/>
+              </a:fontRef>
+            </p:style>
+            <p:txBody>
+              <a:bodyPr rtlCol="0" anchor="ctr"/>
+              <a:lstStyle/>
+              <a:p>
+                <a:pPr algn="ctr"/>
+                <a:endParaRPr lang="en-US"/>
+              </a:p>
+            </p:txBody>
+          </p:sp>
+          <p:sp>
+            <p:nvSpPr>
+              <p:cNvPr id="16" name="Arrow: Down 15">
+                <a:extLst>
+                  <a:ext uri="{FF2B5EF4-FFF2-40B4-BE49-F238E27FC236}">
+                    <a16:creationId xmlns:a16="http://schemas.microsoft.com/office/drawing/2014/main" id="{5365E476-8EC5-4CDD-99D2-7F6298BFEC53}"/>
+                  </a:ext>
+                </a:extLst>
+              </p:cNvPr>
+              <p:cNvSpPr/>
+              <p:nvPr/>
+            </p:nvSpPr>
+            <p:spPr>
+              <a:xfrm rot="16200000">
+                <a:off x="4470400" y="1752600"/>
+                <a:ext cx="469900" cy="1993900"/>
+              </a:xfrm>
+              <a:prstGeom prst="downArrow">
+                <a:avLst/>
+              </a:prstGeom>
+            </p:spPr>
+            <p:style>
+              <a:lnRef idx="2">
+                <a:schemeClr val="accent3">
+                  <a:shade val="50000"/>
+                </a:schemeClr>
+              </a:lnRef>
+              <a:fillRef idx="1">
+                <a:schemeClr val="accent3"/>
+              </a:fillRef>
+              <a:effectRef idx="0">
+                <a:schemeClr val="accent3"/>
+              </a:effectRef>
+              <a:fontRef idx="minor">
+                <a:schemeClr val="lt1"/>
+              </a:fontRef>
+            </p:style>
+            <p:txBody>
+              <a:bodyPr rtlCol="0" anchor="ctr"/>
+              <a:lstStyle/>
+              <a:p>
+                <a:pPr algn="ctr"/>
+                <a:endParaRPr lang="en-US"/>
+              </a:p>
+            </p:txBody>
+          </p:sp>
+        </p:grpSp>
+        <p:sp>
+          <p:nvSpPr>
+            <p:cNvPr id="19" name="TextBox 18">
+              <a:extLst>
+                <a:ext uri="{FF2B5EF4-FFF2-40B4-BE49-F238E27FC236}">
+                  <a16:creationId xmlns:a16="http://schemas.microsoft.com/office/drawing/2014/main" id="{0C7C9A76-C8A7-4E7E-B6C6-DAB66F50C777}"/>
+                </a:ext>
+              </a:extLst>
+            </p:cNvPr>
+            <p:cNvSpPr txBox="1"/>
+            <p:nvPr/>
+          </p:nvSpPr>
+          <p:spPr>
+            <a:xfrm>
+              <a:off x="9010650" y="3689350"/>
+              <a:ext cx="1181100" cy="369332"/>
+            </a:xfrm>
+            <a:prstGeom prst="rect">
+              <a:avLst/>
+            </a:prstGeom>
+            <a:noFill/>
+          </p:spPr>
+          <p:txBody>
+            <a:bodyPr wrap="square" rtlCol="0">
+              <a:spAutoFit/>
+            </a:bodyPr>
+            <a:lstStyle/>
+            <a:p>
+              <a:r>
+                <a:rPr lang="en-US" dirty="0"/>
+                <a:t>request</a:t>
+              </a:r>
+            </a:p>
+          </p:txBody>
+        </p:sp>
+        <p:sp>
+          <p:nvSpPr>
+            <p:cNvPr id="20" name="TextBox 19">
+              <a:extLst>
+                <a:ext uri="{FF2B5EF4-FFF2-40B4-BE49-F238E27FC236}">
+                  <a16:creationId xmlns:a16="http://schemas.microsoft.com/office/drawing/2014/main" id="{78735A34-0448-4F5D-869D-CEB2BF66052B}"/>
+                </a:ext>
+              </a:extLst>
+            </p:cNvPr>
+            <p:cNvSpPr txBox="1"/>
+            <p:nvPr/>
+          </p:nvSpPr>
+          <p:spPr>
+            <a:xfrm>
+              <a:off x="6459092" y="3523735"/>
+              <a:ext cx="1181100" cy="369332"/>
+            </a:xfrm>
+            <a:prstGeom prst="rect">
+              <a:avLst/>
+            </a:prstGeom>
+            <a:noFill/>
+          </p:spPr>
+          <p:txBody>
+            <a:bodyPr wrap="square" rtlCol="0">
+              <a:spAutoFit/>
+            </a:bodyPr>
+            <a:lstStyle/>
+            <a:p>
+              <a:r>
+                <a:rPr lang="en-US" dirty="0"/>
+                <a:t>response</a:t>
+              </a:r>
+            </a:p>
+          </p:txBody>
+        </p:sp>
+        <p:sp>
+          <p:nvSpPr>
+            <p:cNvPr id="21" name="TextBox 20">
+              <a:extLst>
+                <a:ext uri="{FF2B5EF4-FFF2-40B4-BE49-F238E27FC236}">
+                  <a16:creationId xmlns:a16="http://schemas.microsoft.com/office/drawing/2014/main" id="{EC069E9B-E6F0-4774-B14B-7B6B29CEA900}"/>
+                </a:ext>
+              </a:extLst>
+            </p:cNvPr>
+            <p:cNvSpPr txBox="1"/>
+            <p:nvPr/>
+          </p:nvSpPr>
+          <p:spPr>
+            <a:xfrm>
+              <a:off x="4246116" y="2735818"/>
+              <a:ext cx="1527173" cy="646331"/>
+            </a:xfrm>
+            <a:prstGeom prst="rect">
+              <a:avLst/>
+            </a:prstGeom>
+            <a:noFill/>
+          </p:spPr>
+          <p:txBody>
+            <a:bodyPr wrap="square" rtlCol="0">
+              <a:spAutoFit/>
+            </a:bodyPr>
+            <a:lstStyle/>
+            <a:p>
+              <a:r>
+                <a:rPr lang="en-US" dirty="0"/>
+                <a:t>Fetch from database</a:t>
+              </a:r>
+            </a:p>
+          </p:txBody>
+        </p:sp>
+        <p:sp>
+          <p:nvSpPr>
+            <p:cNvPr id="22" name="TextBox 21">
+              <a:extLst>
+                <a:ext uri="{FF2B5EF4-FFF2-40B4-BE49-F238E27FC236}">
+                  <a16:creationId xmlns:a16="http://schemas.microsoft.com/office/drawing/2014/main" id="{C43BA827-AAE8-404D-9F32-CF9C91E0C55B}"/>
+                </a:ext>
+              </a:extLst>
+            </p:cNvPr>
+            <p:cNvSpPr txBox="1"/>
+            <p:nvPr/>
+          </p:nvSpPr>
+          <p:spPr>
+            <a:xfrm>
+              <a:off x="4376292" y="1257301"/>
+              <a:ext cx="1527173" cy="646331"/>
+            </a:xfrm>
+            <a:prstGeom prst="rect">
+              <a:avLst/>
+            </a:prstGeom>
+            <a:noFill/>
+          </p:spPr>
+          <p:txBody>
+            <a:bodyPr wrap="square" rtlCol="0">
+              <a:spAutoFit/>
+            </a:bodyPr>
+            <a:lstStyle/>
+            <a:p>
+              <a:r>
+                <a:rPr lang="en-US" dirty="0"/>
+                <a:t>Send To database</a:t>
+              </a:r>
+            </a:p>
+          </p:txBody>
+        </p:sp>
+        <p:sp>
+          <p:nvSpPr>
+            <p:cNvPr id="23" name="TextBox 22">
+              <a:extLst>
+                <a:ext uri="{FF2B5EF4-FFF2-40B4-BE49-F238E27FC236}">
+                  <a16:creationId xmlns:a16="http://schemas.microsoft.com/office/drawing/2014/main" id="{D43C4971-9664-42CF-AE71-4B8B0E89015E}"/>
+                </a:ext>
+              </a:extLst>
+            </p:cNvPr>
+            <p:cNvSpPr txBox="1"/>
+            <p:nvPr/>
+          </p:nvSpPr>
+          <p:spPr>
+            <a:xfrm>
+              <a:off x="756221" y="4178300"/>
+              <a:ext cx="1181100" cy="369332"/>
+            </a:xfrm>
+            <a:prstGeom prst="rect">
+              <a:avLst/>
+            </a:prstGeom>
+            <a:noFill/>
+          </p:spPr>
+          <p:txBody>
+            <a:bodyPr wrap="square" rtlCol="0">
+              <a:spAutoFit/>
+            </a:bodyPr>
+            <a:lstStyle/>
+            <a:p>
+              <a:r>
+                <a:rPr lang="en-US" dirty="0"/>
+                <a:t>Write</a:t>
+              </a:r>
+            </a:p>
+          </p:txBody>
+        </p:sp>
+        <p:sp>
+          <p:nvSpPr>
+            <p:cNvPr id="24" name="TextBox 23">
+              <a:extLst>
+                <a:ext uri="{FF2B5EF4-FFF2-40B4-BE49-F238E27FC236}">
+                  <a16:creationId xmlns:a16="http://schemas.microsoft.com/office/drawing/2014/main" id="{57D044E1-555F-400D-9ED2-5AA0A8CCF0DC}"/>
+                </a:ext>
+              </a:extLst>
+            </p:cNvPr>
+            <p:cNvSpPr txBox="1"/>
+            <p:nvPr/>
+          </p:nvSpPr>
+          <p:spPr>
+            <a:xfrm>
+              <a:off x="3207892" y="4198421"/>
+              <a:ext cx="1181100" cy="369332"/>
+            </a:xfrm>
+            <a:prstGeom prst="rect">
+              <a:avLst/>
+            </a:prstGeom>
+            <a:noFill/>
+          </p:spPr>
+          <p:txBody>
+            <a:bodyPr wrap="square" rtlCol="0">
+              <a:spAutoFit/>
+            </a:bodyPr>
+            <a:lstStyle/>
+            <a:p>
+              <a:r>
+                <a:rPr lang="en-US" dirty="0"/>
+                <a:t>Read</a:t>
+              </a:r>
+            </a:p>
+          </p:txBody>
+        </p:sp>
+      </p:grpSp>
+    </p:spTree>
+    <p:extLst>
+      <p:ext uri="{BB962C8B-B14F-4D97-AF65-F5344CB8AC3E}">
+        <p14:creationId xmlns:p14="http://schemas.microsoft.com/office/powerpoint/2010/main" val="232961746"/>
+      </p:ext>
+    </p:extLst>
+  </p:cSld>
+  <p:clrMapOvr>
+    <a:masterClrMapping/>
+  </p:clrMapOvr>
+</p:sld>
+</file>
+
+<file path=ppt/slides/slide25.xml><?xml version="1.0" encoding="utf-8"?>
+<p:sld xmlns:a="http://schemas.openxmlformats.org/drawingml/2006/main" xmlns:r="http://schemas.openxmlformats.org/officeDocument/2006/relationships" xmlns:p="http://schemas.openxmlformats.org/presentationml/2006/main">
+  <p:cSld>
+    <p:spTree>
+      <p:nvGrpSpPr>
+        <p:cNvPr id="1" name=""/>
+        <p:cNvGrpSpPr/>
+        <p:nvPr/>
+      </p:nvGrpSpPr>
+      <p:grpSpPr>
+        <a:xfrm>
+          <a:off x="0" y="0"/>
+          <a:ext cx="0" cy="0"/>
+          <a:chOff x="0" y="0"/>
+          <a:chExt cx="0" cy="0"/>
+        </a:xfrm>
+      </p:grpSpPr>
+      <p:sp>
+        <p:nvSpPr>
+          <p:cNvPr id="2" name="Title 1">
+            <a:extLst>
+              <a:ext uri="{FF2B5EF4-FFF2-40B4-BE49-F238E27FC236}">
                 <a16:creationId xmlns:a16="http://schemas.microsoft.com/office/drawing/2014/main" id="{AD8AB0DB-8D4D-4FC4-AFA8-9FC5AFD5C678}"/>
               </a:ext>
             </a:extLst>
@@ -15771,7 +16639,7 @@
 </p:sld>
 </file>
 
-<file path=ppt/slides/slide25.xml><?xml version="1.0" encoding="utf-8"?>
+<file path=ppt/slides/slide26.xml><?xml version="1.0" encoding="utf-8"?>
 <p:sld xmlns:a="http://schemas.openxmlformats.org/drawingml/2006/main" xmlns:r="http://schemas.openxmlformats.org/officeDocument/2006/relationships" xmlns:p="http://schemas.openxmlformats.org/presentationml/2006/main">
   <p:cSld>
     <p:spTree>
